--- a/day_1/1_lecture_intro/lecture_1_intro.pptx
+++ b/day_1/1_lecture_intro/lecture_1_intro.pptx
@@ -3564,6 +3564,53 @@
           </a:p>
         </p:txBody>
       </p:sp>
+      <p:pic>
+        <p:nvPicPr>
+          <p:cNvPr id="5" name="Picture 4"/>
+          <p:cNvPicPr>
+            <a:picLocks noChangeAspect="1"/>
+          </p:cNvPicPr>
+          <p:nvPr/>
+        </p:nvPicPr>
+        <p:blipFill rotWithShape="1">
+          <a:blip r:embed="rId2"/>
+          <a:srcRect r="45455" b="34212"/>
+          <a:stretch/>
+        </p:blipFill>
+        <p:spPr>
+          <a:xfrm>
+            <a:off x="5107568" y="980328"/>
+            <a:ext cx="1363570" cy="2338855"/>
+          </a:xfrm>
+          <a:prstGeom prst="rect">
+            <a:avLst/>
+          </a:prstGeom>
+        </p:spPr>
+      </p:pic>
+      <p:pic>
+        <p:nvPicPr>
+          <p:cNvPr id="7" name="Picture 6"/>
+          <p:cNvPicPr>
+            <a:picLocks noChangeAspect="1"/>
+          </p:cNvPicPr>
+          <p:nvPr/>
+        </p:nvPicPr>
+        <p:blipFill>
+          <a:blip r:embed="rId3"/>
+          <a:stretch>
+            <a:fillRect/>
+          </a:stretch>
+        </p:blipFill>
+        <p:spPr>
+          <a:xfrm>
+            <a:off x="5070982" y="3408992"/>
+            <a:ext cx="1400156" cy="1193863"/>
+          </a:xfrm>
+          <a:prstGeom prst="rect">
+            <a:avLst/>
+          </a:prstGeom>
+        </p:spPr>
+      </p:pic>
     </p:spTree>
     <p:extLst>
       <p:ext uri="{BB962C8B-B14F-4D97-AF65-F5344CB8AC3E}">
@@ -3670,7 +3717,7 @@
         <p:spPr>
           <a:xfrm>
             <a:off x="624468" y="1159727"/>
-            <a:ext cx="1717137" cy="1200329"/>
+            <a:ext cx="2499402" cy="1200329"/>
           </a:xfrm>
           <a:prstGeom prst="rect">
             <a:avLst/>
@@ -3709,8 +3756,9 @@
             </a:pPr>
             <a:r>
               <a:rPr lang="en-US" dirty="0" smtClean="0"/>
-              <a:t>Slope graph</a:t>
-            </a:r>
+              <a:t>Parallel coordinates</a:t>
+            </a:r>
+            <a:endParaRPr lang="en-US" dirty="0" smtClean="0"/>
           </a:p>
           <a:p>
             <a:pPr marL="285750" indent="-285750">
@@ -3775,7 +3823,7 @@
       </p:pic>
       <p:pic>
         <p:nvPicPr>
-          <p:cNvPr id="7" name="Picture 6"/>
+          <p:cNvPr id="8" name="Picture 7"/>
           <p:cNvPicPr>
             <a:picLocks noChangeAspect="1"/>
           </p:cNvPicPr>
@@ -3789,8 +3837,8 @@
         </p:blipFill>
         <p:spPr>
           <a:xfrm>
-            <a:off x="624468" y="2572495"/>
-            <a:ext cx="1761894" cy="2072816"/>
+            <a:off x="3491169" y="3062056"/>
+            <a:ext cx="4582313" cy="1679087"/>
           </a:xfrm>
           <a:prstGeom prst="rect">
             <a:avLst/>
@@ -3799,22 +3847,28 @@
       </p:pic>
       <p:pic>
         <p:nvPicPr>
-          <p:cNvPr id="8" name="Picture 7"/>
+          <p:cNvPr id="9" name="Picture 8"/>
           <p:cNvPicPr>
             <a:picLocks noChangeAspect="1"/>
           </p:cNvPicPr>
           <p:nvPr/>
         </p:nvPicPr>
         <p:blipFill>
-          <a:blip r:embed="rId5"/>
+          <a:blip r:embed="rId5">
+            <a:extLst>
+              <a:ext uri="{28A0092B-C50C-407E-A947-70E740481C1C}">
+                <a14:useLocalDpi xmlns:a14="http://schemas.microsoft.com/office/drawing/2010/main" val="0"/>
+              </a:ext>
+            </a:extLst>
+          </a:blip>
           <a:stretch>
             <a:fillRect/>
           </a:stretch>
         </p:blipFill>
         <p:spPr>
           <a:xfrm>
-            <a:off x="3491169" y="3062056"/>
-            <a:ext cx="4582313" cy="1679087"/>
+            <a:off x="413237" y="2821130"/>
+            <a:ext cx="2741019" cy="1575546"/>
           </a:xfrm>
           <a:prstGeom prst="rect">
             <a:avLst/>
